--- a/toast/초안.pptx
+++ b/toast/초안.pptx
@@ -141,7 +141,7 @@
           <p:cNvPr id="2" name="제목 1">
             <a:extLst>
               <a:ext uri="{FF2B5EF4-FFF2-40B4-BE49-F238E27FC236}">
-                <a16:creationId xmlns:a16="http://schemas.microsoft.com/office/drawing/2014/main" id="{C4D7D9ED-3CA1-406F-AF9C-EDECF656E689}"/>
+                <a16:creationId xmlns:a16="http://schemas.microsoft.com/office/drawing/2014/main" xmlns="" id="{C4D7D9ED-3CA1-406F-AF9C-EDECF656E689}"/>
               </a:ext>
             </a:extLst>
           </p:cNvPr>
@@ -178,7 +178,7 @@
           <p:cNvPr id="3" name="부제목 2">
             <a:extLst>
               <a:ext uri="{FF2B5EF4-FFF2-40B4-BE49-F238E27FC236}">
-                <a16:creationId xmlns:a16="http://schemas.microsoft.com/office/drawing/2014/main" id="{64D5EE67-7A33-4093-A645-AA19855C2493}"/>
+                <a16:creationId xmlns:a16="http://schemas.microsoft.com/office/drawing/2014/main" xmlns="" id="{64D5EE67-7A33-4093-A645-AA19855C2493}"/>
               </a:ext>
             </a:extLst>
           </p:cNvPr>
@@ -248,7 +248,7 @@
           <p:cNvPr id="4" name="날짜 개체 틀 3">
             <a:extLst>
               <a:ext uri="{FF2B5EF4-FFF2-40B4-BE49-F238E27FC236}">
-                <a16:creationId xmlns:a16="http://schemas.microsoft.com/office/drawing/2014/main" id="{D35B675D-AD67-461D-BB5E-C23ECED71E2D}"/>
+                <a16:creationId xmlns:a16="http://schemas.microsoft.com/office/drawing/2014/main" xmlns="" id="{D35B675D-AD67-461D-BB5E-C23ECED71E2D}"/>
               </a:ext>
             </a:extLst>
           </p:cNvPr>
@@ -277,7 +277,7 @@
           <p:cNvPr id="5" name="바닥글 개체 틀 4">
             <a:extLst>
               <a:ext uri="{FF2B5EF4-FFF2-40B4-BE49-F238E27FC236}">
-                <a16:creationId xmlns:a16="http://schemas.microsoft.com/office/drawing/2014/main" id="{CC43BF40-F000-4D8A-AC7A-8C55DBEA57B8}"/>
+                <a16:creationId xmlns:a16="http://schemas.microsoft.com/office/drawing/2014/main" xmlns="" id="{CC43BF40-F000-4D8A-AC7A-8C55DBEA57B8}"/>
               </a:ext>
             </a:extLst>
           </p:cNvPr>
@@ -302,7 +302,7 @@
           <p:cNvPr id="6" name="슬라이드 번호 개체 틀 5">
             <a:extLst>
               <a:ext uri="{FF2B5EF4-FFF2-40B4-BE49-F238E27FC236}">
-                <a16:creationId xmlns:a16="http://schemas.microsoft.com/office/drawing/2014/main" id="{32326481-A3D4-484A-9607-B32F7DF8496C}"/>
+                <a16:creationId xmlns:a16="http://schemas.microsoft.com/office/drawing/2014/main" xmlns="" id="{32326481-A3D4-484A-9607-B32F7DF8496C}"/>
               </a:ext>
             </a:extLst>
           </p:cNvPr>
@@ -361,7 +361,7 @@
           <p:cNvPr id="2" name="제목 1">
             <a:extLst>
               <a:ext uri="{FF2B5EF4-FFF2-40B4-BE49-F238E27FC236}">
-                <a16:creationId xmlns:a16="http://schemas.microsoft.com/office/drawing/2014/main" id="{D2E93CF9-BAC1-4689-925E-6F3B3967276F}"/>
+                <a16:creationId xmlns:a16="http://schemas.microsoft.com/office/drawing/2014/main" xmlns="" id="{D2E93CF9-BAC1-4689-925E-6F3B3967276F}"/>
               </a:ext>
             </a:extLst>
           </p:cNvPr>
@@ -389,7 +389,7 @@
           <p:cNvPr id="3" name="세로 텍스트 개체 틀 2">
             <a:extLst>
               <a:ext uri="{FF2B5EF4-FFF2-40B4-BE49-F238E27FC236}">
-                <a16:creationId xmlns:a16="http://schemas.microsoft.com/office/drawing/2014/main" id="{23266F77-8124-4487-B0C8-CCDB5AAD6232}"/>
+                <a16:creationId xmlns:a16="http://schemas.microsoft.com/office/drawing/2014/main" xmlns="" id="{23266F77-8124-4487-B0C8-CCDB5AAD6232}"/>
               </a:ext>
             </a:extLst>
           </p:cNvPr>
@@ -446,7 +446,7 @@
           <p:cNvPr id="4" name="날짜 개체 틀 3">
             <a:extLst>
               <a:ext uri="{FF2B5EF4-FFF2-40B4-BE49-F238E27FC236}">
-                <a16:creationId xmlns:a16="http://schemas.microsoft.com/office/drawing/2014/main" id="{F0A51244-80F7-4CF4-BDCF-79EE0EC4A20C}"/>
+                <a16:creationId xmlns:a16="http://schemas.microsoft.com/office/drawing/2014/main" xmlns="" id="{F0A51244-80F7-4CF4-BDCF-79EE0EC4A20C}"/>
               </a:ext>
             </a:extLst>
           </p:cNvPr>
@@ -475,7 +475,7 @@
           <p:cNvPr id="5" name="바닥글 개체 틀 4">
             <a:extLst>
               <a:ext uri="{FF2B5EF4-FFF2-40B4-BE49-F238E27FC236}">
-                <a16:creationId xmlns:a16="http://schemas.microsoft.com/office/drawing/2014/main" id="{5A8FADF1-718C-482E-94E3-20F2A7FB1A29}"/>
+                <a16:creationId xmlns:a16="http://schemas.microsoft.com/office/drawing/2014/main" xmlns="" id="{5A8FADF1-718C-482E-94E3-20F2A7FB1A29}"/>
               </a:ext>
             </a:extLst>
           </p:cNvPr>
@@ -500,7 +500,7 @@
           <p:cNvPr id="6" name="슬라이드 번호 개체 틀 5">
             <a:extLst>
               <a:ext uri="{FF2B5EF4-FFF2-40B4-BE49-F238E27FC236}">
-                <a16:creationId xmlns:a16="http://schemas.microsoft.com/office/drawing/2014/main" id="{B5BE942A-F37D-419B-A4C4-A50276BB0FAB}"/>
+                <a16:creationId xmlns:a16="http://schemas.microsoft.com/office/drawing/2014/main" xmlns="" id="{B5BE942A-F37D-419B-A4C4-A50276BB0FAB}"/>
               </a:ext>
             </a:extLst>
           </p:cNvPr>
@@ -559,7 +559,7 @@
           <p:cNvPr id="2" name="세로 제목 1">
             <a:extLst>
               <a:ext uri="{FF2B5EF4-FFF2-40B4-BE49-F238E27FC236}">
-                <a16:creationId xmlns:a16="http://schemas.microsoft.com/office/drawing/2014/main" id="{8A5956D9-900F-4501-862D-CD12E52A54C3}"/>
+                <a16:creationId xmlns:a16="http://schemas.microsoft.com/office/drawing/2014/main" xmlns="" id="{8A5956D9-900F-4501-862D-CD12E52A54C3}"/>
               </a:ext>
             </a:extLst>
           </p:cNvPr>
@@ -592,7 +592,7 @@
           <p:cNvPr id="3" name="세로 텍스트 개체 틀 2">
             <a:extLst>
               <a:ext uri="{FF2B5EF4-FFF2-40B4-BE49-F238E27FC236}">
-                <a16:creationId xmlns:a16="http://schemas.microsoft.com/office/drawing/2014/main" id="{DA951DCF-147C-409A-9ABD-1F4B291B0681}"/>
+                <a16:creationId xmlns:a16="http://schemas.microsoft.com/office/drawing/2014/main" xmlns="" id="{DA951DCF-147C-409A-9ABD-1F4B291B0681}"/>
               </a:ext>
             </a:extLst>
           </p:cNvPr>
@@ -654,7 +654,7 @@
           <p:cNvPr id="4" name="날짜 개체 틀 3">
             <a:extLst>
               <a:ext uri="{FF2B5EF4-FFF2-40B4-BE49-F238E27FC236}">
-                <a16:creationId xmlns:a16="http://schemas.microsoft.com/office/drawing/2014/main" id="{71EDE619-2128-4E08-A7F3-17361898AD2F}"/>
+                <a16:creationId xmlns:a16="http://schemas.microsoft.com/office/drawing/2014/main" xmlns="" id="{71EDE619-2128-4E08-A7F3-17361898AD2F}"/>
               </a:ext>
             </a:extLst>
           </p:cNvPr>
@@ -683,7 +683,7 @@
           <p:cNvPr id="5" name="바닥글 개체 틀 4">
             <a:extLst>
               <a:ext uri="{FF2B5EF4-FFF2-40B4-BE49-F238E27FC236}">
-                <a16:creationId xmlns:a16="http://schemas.microsoft.com/office/drawing/2014/main" id="{16D42004-888B-4DCC-854C-819344062D14}"/>
+                <a16:creationId xmlns:a16="http://schemas.microsoft.com/office/drawing/2014/main" xmlns="" id="{16D42004-888B-4DCC-854C-819344062D14}"/>
               </a:ext>
             </a:extLst>
           </p:cNvPr>
@@ -708,7 +708,7 @@
           <p:cNvPr id="6" name="슬라이드 번호 개체 틀 5">
             <a:extLst>
               <a:ext uri="{FF2B5EF4-FFF2-40B4-BE49-F238E27FC236}">
-                <a16:creationId xmlns:a16="http://schemas.microsoft.com/office/drawing/2014/main" id="{5D2A5C86-D15E-46E7-811A-3253F8A7FA60}"/>
+                <a16:creationId xmlns:a16="http://schemas.microsoft.com/office/drawing/2014/main" xmlns="" id="{5D2A5C86-D15E-46E7-811A-3253F8A7FA60}"/>
               </a:ext>
             </a:extLst>
           </p:cNvPr>
@@ -767,7 +767,7 @@
           <p:cNvPr id="2" name="제목 1">
             <a:extLst>
               <a:ext uri="{FF2B5EF4-FFF2-40B4-BE49-F238E27FC236}">
-                <a16:creationId xmlns:a16="http://schemas.microsoft.com/office/drawing/2014/main" id="{A641188C-7DB4-44B9-A679-F16F91D756D1}"/>
+                <a16:creationId xmlns:a16="http://schemas.microsoft.com/office/drawing/2014/main" xmlns="" id="{A641188C-7DB4-44B9-A679-F16F91D756D1}"/>
               </a:ext>
             </a:extLst>
           </p:cNvPr>
@@ -795,7 +795,7 @@
           <p:cNvPr id="3" name="내용 개체 틀 2">
             <a:extLst>
               <a:ext uri="{FF2B5EF4-FFF2-40B4-BE49-F238E27FC236}">
-                <a16:creationId xmlns:a16="http://schemas.microsoft.com/office/drawing/2014/main" id="{6519A064-6A6C-4B8D-89C8-D95F37708163}"/>
+                <a16:creationId xmlns:a16="http://schemas.microsoft.com/office/drawing/2014/main" xmlns="" id="{6519A064-6A6C-4B8D-89C8-D95F37708163}"/>
               </a:ext>
             </a:extLst>
           </p:cNvPr>
@@ -852,7 +852,7 @@
           <p:cNvPr id="4" name="날짜 개체 틀 3">
             <a:extLst>
               <a:ext uri="{FF2B5EF4-FFF2-40B4-BE49-F238E27FC236}">
-                <a16:creationId xmlns:a16="http://schemas.microsoft.com/office/drawing/2014/main" id="{B988E024-5598-4CC8-8E49-EB627EB99BC5}"/>
+                <a16:creationId xmlns:a16="http://schemas.microsoft.com/office/drawing/2014/main" xmlns="" id="{B988E024-5598-4CC8-8E49-EB627EB99BC5}"/>
               </a:ext>
             </a:extLst>
           </p:cNvPr>
@@ -881,7 +881,7 @@
           <p:cNvPr id="5" name="바닥글 개체 틀 4">
             <a:extLst>
               <a:ext uri="{FF2B5EF4-FFF2-40B4-BE49-F238E27FC236}">
-                <a16:creationId xmlns:a16="http://schemas.microsoft.com/office/drawing/2014/main" id="{E60B6CEC-54F6-4A1D-B5B3-5EF4523F15B6}"/>
+                <a16:creationId xmlns:a16="http://schemas.microsoft.com/office/drawing/2014/main" xmlns="" id="{E60B6CEC-54F6-4A1D-B5B3-5EF4523F15B6}"/>
               </a:ext>
             </a:extLst>
           </p:cNvPr>
@@ -906,7 +906,7 @@
           <p:cNvPr id="6" name="슬라이드 번호 개체 틀 5">
             <a:extLst>
               <a:ext uri="{FF2B5EF4-FFF2-40B4-BE49-F238E27FC236}">
-                <a16:creationId xmlns:a16="http://schemas.microsoft.com/office/drawing/2014/main" id="{E5095EC0-1023-4D87-B535-9BB88EC31300}"/>
+                <a16:creationId xmlns:a16="http://schemas.microsoft.com/office/drawing/2014/main" xmlns="" id="{E5095EC0-1023-4D87-B535-9BB88EC31300}"/>
               </a:ext>
             </a:extLst>
           </p:cNvPr>
@@ -965,7 +965,7 @@
           <p:cNvPr id="2" name="제목 1">
             <a:extLst>
               <a:ext uri="{FF2B5EF4-FFF2-40B4-BE49-F238E27FC236}">
-                <a16:creationId xmlns:a16="http://schemas.microsoft.com/office/drawing/2014/main" id="{5316475A-57F7-4A48-99D8-AED4DF9B4525}"/>
+                <a16:creationId xmlns:a16="http://schemas.microsoft.com/office/drawing/2014/main" xmlns="" id="{5316475A-57F7-4A48-99D8-AED4DF9B4525}"/>
               </a:ext>
             </a:extLst>
           </p:cNvPr>
@@ -1002,7 +1002,7 @@
           <p:cNvPr id="3" name="텍스트 개체 틀 2">
             <a:extLst>
               <a:ext uri="{FF2B5EF4-FFF2-40B4-BE49-F238E27FC236}">
-                <a16:creationId xmlns:a16="http://schemas.microsoft.com/office/drawing/2014/main" id="{8F1B7239-F450-47D1-B23E-53932A7029C2}"/>
+                <a16:creationId xmlns:a16="http://schemas.microsoft.com/office/drawing/2014/main" xmlns="" id="{8F1B7239-F450-47D1-B23E-53932A7029C2}"/>
               </a:ext>
             </a:extLst>
           </p:cNvPr>
@@ -1127,7 +1127,7 @@
           <p:cNvPr id="4" name="날짜 개체 틀 3">
             <a:extLst>
               <a:ext uri="{FF2B5EF4-FFF2-40B4-BE49-F238E27FC236}">
-                <a16:creationId xmlns:a16="http://schemas.microsoft.com/office/drawing/2014/main" id="{9DD7F1AB-E0DC-41DA-9047-8D34F519448F}"/>
+                <a16:creationId xmlns:a16="http://schemas.microsoft.com/office/drawing/2014/main" xmlns="" id="{9DD7F1AB-E0DC-41DA-9047-8D34F519448F}"/>
               </a:ext>
             </a:extLst>
           </p:cNvPr>
@@ -1156,7 +1156,7 @@
           <p:cNvPr id="5" name="바닥글 개체 틀 4">
             <a:extLst>
               <a:ext uri="{FF2B5EF4-FFF2-40B4-BE49-F238E27FC236}">
-                <a16:creationId xmlns:a16="http://schemas.microsoft.com/office/drawing/2014/main" id="{640B0CA0-84C1-4593-ACA3-A7F024DC6ABF}"/>
+                <a16:creationId xmlns:a16="http://schemas.microsoft.com/office/drawing/2014/main" xmlns="" id="{640B0CA0-84C1-4593-ACA3-A7F024DC6ABF}"/>
               </a:ext>
             </a:extLst>
           </p:cNvPr>
@@ -1181,7 +1181,7 @@
           <p:cNvPr id="6" name="슬라이드 번호 개체 틀 5">
             <a:extLst>
               <a:ext uri="{FF2B5EF4-FFF2-40B4-BE49-F238E27FC236}">
-                <a16:creationId xmlns:a16="http://schemas.microsoft.com/office/drawing/2014/main" id="{1D3B4C34-07BE-4256-AC83-D501D7C65050}"/>
+                <a16:creationId xmlns:a16="http://schemas.microsoft.com/office/drawing/2014/main" xmlns="" id="{1D3B4C34-07BE-4256-AC83-D501D7C65050}"/>
               </a:ext>
             </a:extLst>
           </p:cNvPr>
@@ -1240,7 +1240,7 @@
           <p:cNvPr id="2" name="제목 1">
             <a:extLst>
               <a:ext uri="{FF2B5EF4-FFF2-40B4-BE49-F238E27FC236}">
-                <a16:creationId xmlns:a16="http://schemas.microsoft.com/office/drawing/2014/main" id="{8F7FB367-AC24-4FB3-8B6F-333B0A25BDE7}"/>
+                <a16:creationId xmlns:a16="http://schemas.microsoft.com/office/drawing/2014/main" xmlns="" id="{8F7FB367-AC24-4FB3-8B6F-333B0A25BDE7}"/>
               </a:ext>
             </a:extLst>
           </p:cNvPr>
@@ -1268,7 +1268,7 @@
           <p:cNvPr id="3" name="내용 개체 틀 2">
             <a:extLst>
               <a:ext uri="{FF2B5EF4-FFF2-40B4-BE49-F238E27FC236}">
-                <a16:creationId xmlns:a16="http://schemas.microsoft.com/office/drawing/2014/main" id="{32C51211-751F-46C8-84D8-79325FED4651}"/>
+                <a16:creationId xmlns:a16="http://schemas.microsoft.com/office/drawing/2014/main" xmlns="" id="{32C51211-751F-46C8-84D8-79325FED4651}"/>
               </a:ext>
             </a:extLst>
           </p:cNvPr>
@@ -1330,7 +1330,7 @@
           <p:cNvPr id="4" name="내용 개체 틀 3">
             <a:extLst>
               <a:ext uri="{FF2B5EF4-FFF2-40B4-BE49-F238E27FC236}">
-                <a16:creationId xmlns:a16="http://schemas.microsoft.com/office/drawing/2014/main" id="{273BA4D3-5569-4710-8D9D-0DE378221454}"/>
+                <a16:creationId xmlns:a16="http://schemas.microsoft.com/office/drawing/2014/main" xmlns="" id="{273BA4D3-5569-4710-8D9D-0DE378221454}"/>
               </a:ext>
             </a:extLst>
           </p:cNvPr>
@@ -1392,7 +1392,7 @@
           <p:cNvPr id="5" name="날짜 개체 틀 4">
             <a:extLst>
               <a:ext uri="{FF2B5EF4-FFF2-40B4-BE49-F238E27FC236}">
-                <a16:creationId xmlns:a16="http://schemas.microsoft.com/office/drawing/2014/main" id="{5D9C0899-E880-4791-B3B0-63B683588EDA}"/>
+                <a16:creationId xmlns:a16="http://schemas.microsoft.com/office/drawing/2014/main" xmlns="" id="{5D9C0899-E880-4791-B3B0-63B683588EDA}"/>
               </a:ext>
             </a:extLst>
           </p:cNvPr>
@@ -1421,7 +1421,7 @@
           <p:cNvPr id="6" name="바닥글 개체 틀 5">
             <a:extLst>
               <a:ext uri="{FF2B5EF4-FFF2-40B4-BE49-F238E27FC236}">
-                <a16:creationId xmlns:a16="http://schemas.microsoft.com/office/drawing/2014/main" id="{A9FF1E5F-992E-4DC0-AE6D-3EC59F359AE6}"/>
+                <a16:creationId xmlns:a16="http://schemas.microsoft.com/office/drawing/2014/main" xmlns="" id="{A9FF1E5F-992E-4DC0-AE6D-3EC59F359AE6}"/>
               </a:ext>
             </a:extLst>
           </p:cNvPr>
@@ -1446,7 +1446,7 @@
           <p:cNvPr id="7" name="슬라이드 번호 개체 틀 6">
             <a:extLst>
               <a:ext uri="{FF2B5EF4-FFF2-40B4-BE49-F238E27FC236}">
-                <a16:creationId xmlns:a16="http://schemas.microsoft.com/office/drawing/2014/main" id="{AB3B112E-02D2-4D5C-A398-6D9A1CDABE56}"/>
+                <a16:creationId xmlns:a16="http://schemas.microsoft.com/office/drawing/2014/main" xmlns="" id="{AB3B112E-02D2-4D5C-A398-6D9A1CDABE56}"/>
               </a:ext>
             </a:extLst>
           </p:cNvPr>
@@ -1505,7 +1505,7 @@
           <p:cNvPr id="2" name="제목 1">
             <a:extLst>
               <a:ext uri="{FF2B5EF4-FFF2-40B4-BE49-F238E27FC236}">
-                <a16:creationId xmlns:a16="http://schemas.microsoft.com/office/drawing/2014/main" id="{94F6B286-6302-4980-9DC6-057278D80987}"/>
+                <a16:creationId xmlns:a16="http://schemas.microsoft.com/office/drawing/2014/main" xmlns="" id="{94F6B286-6302-4980-9DC6-057278D80987}"/>
               </a:ext>
             </a:extLst>
           </p:cNvPr>
@@ -1538,7 +1538,7 @@
           <p:cNvPr id="3" name="텍스트 개체 틀 2">
             <a:extLst>
               <a:ext uri="{FF2B5EF4-FFF2-40B4-BE49-F238E27FC236}">
-                <a16:creationId xmlns:a16="http://schemas.microsoft.com/office/drawing/2014/main" id="{9E27204E-0A65-4D32-882D-8DADC696CA63}"/>
+                <a16:creationId xmlns:a16="http://schemas.microsoft.com/office/drawing/2014/main" xmlns="" id="{9E27204E-0A65-4D32-882D-8DADC696CA63}"/>
               </a:ext>
             </a:extLst>
           </p:cNvPr>
@@ -1609,7 +1609,7 @@
           <p:cNvPr id="4" name="내용 개체 틀 3">
             <a:extLst>
               <a:ext uri="{FF2B5EF4-FFF2-40B4-BE49-F238E27FC236}">
-                <a16:creationId xmlns:a16="http://schemas.microsoft.com/office/drawing/2014/main" id="{89E43694-8725-48FA-BAF2-00ABEB4455B9}"/>
+                <a16:creationId xmlns:a16="http://schemas.microsoft.com/office/drawing/2014/main" xmlns="" id="{89E43694-8725-48FA-BAF2-00ABEB4455B9}"/>
               </a:ext>
             </a:extLst>
           </p:cNvPr>
@@ -1671,7 +1671,7 @@
           <p:cNvPr id="5" name="텍스트 개체 틀 4">
             <a:extLst>
               <a:ext uri="{FF2B5EF4-FFF2-40B4-BE49-F238E27FC236}">
-                <a16:creationId xmlns:a16="http://schemas.microsoft.com/office/drawing/2014/main" id="{41377F70-F384-42DD-9974-BE959A3AFF5F}"/>
+                <a16:creationId xmlns:a16="http://schemas.microsoft.com/office/drawing/2014/main" xmlns="" id="{41377F70-F384-42DD-9974-BE959A3AFF5F}"/>
               </a:ext>
             </a:extLst>
           </p:cNvPr>
@@ -1742,7 +1742,7 @@
           <p:cNvPr id="6" name="내용 개체 틀 5">
             <a:extLst>
               <a:ext uri="{FF2B5EF4-FFF2-40B4-BE49-F238E27FC236}">
-                <a16:creationId xmlns:a16="http://schemas.microsoft.com/office/drawing/2014/main" id="{42643D59-3251-4963-81A5-F9637340D20B}"/>
+                <a16:creationId xmlns:a16="http://schemas.microsoft.com/office/drawing/2014/main" xmlns="" id="{42643D59-3251-4963-81A5-F9637340D20B}"/>
               </a:ext>
             </a:extLst>
           </p:cNvPr>
@@ -1804,7 +1804,7 @@
           <p:cNvPr id="7" name="날짜 개체 틀 6">
             <a:extLst>
               <a:ext uri="{FF2B5EF4-FFF2-40B4-BE49-F238E27FC236}">
-                <a16:creationId xmlns:a16="http://schemas.microsoft.com/office/drawing/2014/main" id="{A71ABFF2-7EAE-4547-AC02-738A4CBB363C}"/>
+                <a16:creationId xmlns:a16="http://schemas.microsoft.com/office/drawing/2014/main" xmlns="" id="{A71ABFF2-7EAE-4547-AC02-738A4CBB363C}"/>
               </a:ext>
             </a:extLst>
           </p:cNvPr>
@@ -1833,7 +1833,7 @@
           <p:cNvPr id="8" name="바닥글 개체 틀 7">
             <a:extLst>
               <a:ext uri="{FF2B5EF4-FFF2-40B4-BE49-F238E27FC236}">
-                <a16:creationId xmlns:a16="http://schemas.microsoft.com/office/drawing/2014/main" id="{49339DEE-14C9-49AF-9975-0DD8B8F4A46E}"/>
+                <a16:creationId xmlns:a16="http://schemas.microsoft.com/office/drawing/2014/main" xmlns="" id="{49339DEE-14C9-49AF-9975-0DD8B8F4A46E}"/>
               </a:ext>
             </a:extLst>
           </p:cNvPr>
@@ -1858,7 +1858,7 @@
           <p:cNvPr id="9" name="슬라이드 번호 개체 틀 8">
             <a:extLst>
               <a:ext uri="{FF2B5EF4-FFF2-40B4-BE49-F238E27FC236}">
-                <a16:creationId xmlns:a16="http://schemas.microsoft.com/office/drawing/2014/main" id="{069E23C3-F06C-490A-A1BE-5598C0E181D0}"/>
+                <a16:creationId xmlns:a16="http://schemas.microsoft.com/office/drawing/2014/main" xmlns="" id="{069E23C3-F06C-490A-A1BE-5598C0E181D0}"/>
               </a:ext>
             </a:extLst>
           </p:cNvPr>
@@ -1917,7 +1917,7 @@
           <p:cNvPr id="2" name="제목 1">
             <a:extLst>
               <a:ext uri="{FF2B5EF4-FFF2-40B4-BE49-F238E27FC236}">
-                <a16:creationId xmlns:a16="http://schemas.microsoft.com/office/drawing/2014/main" id="{4FD2A683-8313-4B88-8395-E155A3EC5271}"/>
+                <a16:creationId xmlns:a16="http://schemas.microsoft.com/office/drawing/2014/main" xmlns="" id="{4FD2A683-8313-4B88-8395-E155A3EC5271}"/>
               </a:ext>
             </a:extLst>
           </p:cNvPr>
@@ -1945,7 +1945,7 @@
           <p:cNvPr id="3" name="날짜 개체 틀 2">
             <a:extLst>
               <a:ext uri="{FF2B5EF4-FFF2-40B4-BE49-F238E27FC236}">
-                <a16:creationId xmlns:a16="http://schemas.microsoft.com/office/drawing/2014/main" id="{4A9F8C11-F930-4625-9DC7-BF7D3DD7F2FF}"/>
+                <a16:creationId xmlns:a16="http://schemas.microsoft.com/office/drawing/2014/main" xmlns="" id="{4A9F8C11-F930-4625-9DC7-BF7D3DD7F2FF}"/>
               </a:ext>
             </a:extLst>
           </p:cNvPr>
@@ -1974,7 +1974,7 @@
           <p:cNvPr id="4" name="바닥글 개체 틀 3">
             <a:extLst>
               <a:ext uri="{FF2B5EF4-FFF2-40B4-BE49-F238E27FC236}">
-                <a16:creationId xmlns:a16="http://schemas.microsoft.com/office/drawing/2014/main" id="{71E60FB0-5F53-4A42-8C26-27BA13CC6752}"/>
+                <a16:creationId xmlns:a16="http://schemas.microsoft.com/office/drawing/2014/main" xmlns="" id="{71E60FB0-5F53-4A42-8C26-27BA13CC6752}"/>
               </a:ext>
             </a:extLst>
           </p:cNvPr>
@@ -1999,7 +1999,7 @@
           <p:cNvPr id="5" name="슬라이드 번호 개체 틀 4">
             <a:extLst>
               <a:ext uri="{FF2B5EF4-FFF2-40B4-BE49-F238E27FC236}">
-                <a16:creationId xmlns:a16="http://schemas.microsoft.com/office/drawing/2014/main" id="{7A38FF9E-CF99-4F8E-A686-3279228C6D6A}"/>
+                <a16:creationId xmlns:a16="http://schemas.microsoft.com/office/drawing/2014/main" xmlns="" id="{7A38FF9E-CF99-4F8E-A686-3279228C6D6A}"/>
               </a:ext>
             </a:extLst>
           </p:cNvPr>
@@ -2058,7 +2058,7 @@
           <p:cNvPr id="2" name="날짜 개체 틀 1">
             <a:extLst>
               <a:ext uri="{FF2B5EF4-FFF2-40B4-BE49-F238E27FC236}">
-                <a16:creationId xmlns:a16="http://schemas.microsoft.com/office/drawing/2014/main" id="{39C5E1BD-0463-4839-88F3-0E4F2563BBC7}"/>
+                <a16:creationId xmlns:a16="http://schemas.microsoft.com/office/drawing/2014/main" xmlns="" id="{39C5E1BD-0463-4839-88F3-0E4F2563BBC7}"/>
               </a:ext>
             </a:extLst>
           </p:cNvPr>
@@ -2087,7 +2087,7 @@
           <p:cNvPr id="3" name="바닥글 개체 틀 2">
             <a:extLst>
               <a:ext uri="{FF2B5EF4-FFF2-40B4-BE49-F238E27FC236}">
-                <a16:creationId xmlns:a16="http://schemas.microsoft.com/office/drawing/2014/main" id="{4A0DD160-2DBC-4C6C-86AC-08317C2463C9}"/>
+                <a16:creationId xmlns:a16="http://schemas.microsoft.com/office/drawing/2014/main" xmlns="" id="{4A0DD160-2DBC-4C6C-86AC-08317C2463C9}"/>
               </a:ext>
             </a:extLst>
           </p:cNvPr>
@@ -2112,7 +2112,7 @@
           <p:cNvPr id="4" name="슬라이드 번호 개체 틀 3">
             <a:extLst>
               <a:ext uri="{FF2B5EF4-FFF2-40B4-BE49-F238E27FC236}">
-                <a16:creationId xmlns:a16="http://schemas.microsoft.com/office/drawing/2014/main" id="{DF2019ED-9B6C-4C26-950A-89E48E1BDDF1}"/>
+                <a16:creationId xmlns:a16="http://schemas.microsoft.com/office/drawing/2014/main" xmlns="" id="{DF2019ED-9B6C-4C26-950A-89E48E1BDDF1}"/>
               </a:ext>
             </a:extLst>
           </p:cNvPr>
@@ -2171,7 +2171,7 @@
           <p:cNvPr id="2" name="제목 1">
             <a:extLst>
               <a:ext uri="{FF2B5EF4-FFF2-40B4-BE49-F238E27FC236}">
-                <a16:creationId xmlns:a16="http://schemas.microsoft.com/office/drawing/2014/main" id="{F274187A-364F-41F6-A2C9-5653E8732EEB}"/>
+                <a16:creationId xmlns:a16="http://schemas.microsoft.com/office/drawing/2014/main" xmlns="" id="{F274187A-364F-41F6-A2C9-5653E8732EEB}"/>
               </a:ext>
             </a:extLst>
           </p:cNvPr>
@@ -2208,7 +2208,7 @@
           <p:cNvPr id="3" name="내용 개체 틀 2">
             <a:extLst>
               <a:ext uri="{FF2B5EF4-FFF2-40B4-BE49-F238E27FC236}">
-                <a16:creationId xmlns:a16="http://schemas.microsoft.com/office/drawing/2014/main" id="{A3870E2F-24CE-4946-9616-9496846B19E0}"/>
+                <a16:creationId xmlns:a16="http://schemas.microsoft.com/office/drawing/2014/main" xmlns="" id="{A3870E2F-24CE-4946-9616-9496846B19E0}"/>
               </a:ext>
             </a:extLst>
           </p:cNvPr>
@@ -2298,7 +2298,7 @@
           <p:cNvPr id="4" name="텍스트 개체 틀 3">
             <a:extLst>
               <a:ext uri="{FF2B5EF4-FFF2-40B4-BE49-F238E27FC236}">
-                <a16:creationId xmlns:a16="http://schemas.microsoft.com/office/drawing/2014/main" id="{68571480-6D91-4F25-906A-C83633B464F6}"/>
+                <a16:creationId xmlns:a16="http://schemas.microsoft.com/office/drawing/2014/main" xmlns="" id="{68571480-6D91-4F25-906A-C83633B464F6}"/>
               </a:ext>
             </a:extLst>
           </p:cNvPr>
@@ -2369,7 +2369,7 @@
           <p:cNvPr id="5" name="날짜 개체 틀 4">
             <a:extLst>
               <a:ext uri="{FF2B5EF4-FFF2-40B4-BE49-F238E27FC236}">
-                <a16:creationId xmlns:a16="http://schemas.microsoft.com/office/drawing/2014/main" id="{204F43F6-7CC6-4816-B78D-71533F4B9CC1}"/>
+                <a16:creationId xmlns:a16="http://schemas.microsoft.com/office/drawing/2014/main" xmlns="" id="{204F43F6-7CC6-4816-B78D-71533F4B9CC1}"/>
               </a:ext>
             </a:extLst>
           </p:cNvPr>
@@ -2398,7 +2398,7 @@
           <p:cNvPr id="6" name="바닥글 개체 틀 5">
             <a:extLst>
               <a:ext uri="{FF2B5EF4-FFF2-40B4-BE49-F238E27FC236}">
-                <a16:creationId xmlns:a16="http://schemas.microsoft.com/office/drawing/2014/main" id="{6417C220-A117-4C5B-90AC-0080575EAD6D}"/>
+                <a16:creationId xmlns:a16="http://schemas.microsoft.com/office/drawing/2014/main" xmlns="" id="{6417C220-A117-4C5B-90AC-0080575EAD6D}"/>
               </a:ext>
             </a:extLst>
           </p:cNvPr>
@@ -2423,7 +2423,7 @@
           <p:cNvPr id="7" name="슬라이드 번호 개체 틀 6">
             <a:extLst>
               <a:ext uri="{FF2B5EF4-FFF2-40B4-BE49-F238E27FC236}">
-                <a16:creationId xmlns:a16="http://schemas.microsoft.com/office/drawing/2014/main" id="{4CF76F00-A4BB-4151-9212-06299A8C807C}"/>
+                <a16:creationId xmlns:a16="http://schemas.microsoft.com/office/drawing/2014/main" xmlns="" id="{4CF76F00-A4BB-4151-9212-06299A8C807C}"/>
               </a:ext>
             </a:extLst>
           </p:cNvPr>
@@ -2482,7 +2482,7 @@
           <p:cNvPr id="2" name="제목 1">
             <a:extLst>
               <a:ext uri="{FF2B5EF4-FFF2-40B4-BE49-F238E27FC236}">
-                <a16:creationId xmlns:a16="http://schemas.microsoft.com/office/drawing/2014/main" id="{311740A6-F1D7-4C7B-9BF3-B5E383643A93}"/>
+                <a16:creationId xmlns:a16="http://schemas.microsoft.com/office/drawing/2014/main" xmlns="" id="{311740A6-F1D7-4C7B-9BF3-B5E383643A93}"/>
               </a:ext>
             </a:extLst>
           </p:cNvPr>
@@ -2519,7 +2519,7 @@
           <p:cNvPr id="3" name="그림 개체 틀 2">
             <a:extLst>
               <a:ext uri="{FF2B5EF4-FFF2-40B4-BE49-F238E27FC236}">
-                <a16:creationId xmlns:a16="http://schemas.microsoft.com/office/drawing/2014/main" id="{CED08D4E-655C-4B51-9DB6-0D6DFBAD8E06}"/>
+                <a16:creationId xmlns:a16="http://schemas.microsoft.com/office/drawing/2014/main" xmlns="" id="{CED08D4E-655C-4B51-9DB6-0D6DFBAD8E06}"/>
               </a:ext>
             </a:extLst>
           </p:cNvPr>
@@ -2586,7 +2586,7 @@
           <p:cNvPr id="4" name="텍스트 개체 틀 3">
             <a:extLst>
               <a:ext uri="{FF2B5EF4-FFF2-40B4-BE49-F238E27FC236}">
-                <a16:creationId xmlns:a16="http://schemas.microsoft.com/office/drawing/2014/main" id="{79EB5468-0B68-4282-AE1B-C1B20ACA9AB4}"/>
+                <a16:creationId xmlns:a16="http://schemas.microsoft.com/office/drawing/2014/main" xmlns="" id="{79EB5468-0B68-4282-AE1B-C1B20ACA9AB4}"/>
               </a:ext>
             </a:extLst>
           </p:cNvPr>
@@ -2657,7 +2657,7 @@
           <p:cNvPr id="5" name="날짜 개체 틀 4">
             <a:extLst>
               <a:ext uri="{FF2B5EF4-FFF2-40B4-BE49-F238E27FC236}">
-                <a16:creationId xmlns:a16="http://schemas.microsoft.com/office/drawing/2014/main" id="{C2942F31-46BA-4775-A9B2-E22E6F464839}"/>
+                <a16:creationId xmlns:a16="http://schemas.microsoft.com/office/drawing/2014/main" xmlns="" id="{C2942F31-46BA-4775-A9B2-E22E6F464839}"/>
               </a:ext>
             </a:extLst>
           </p:cNvPr>
@@ -2686,7 +2686,7 @@
           <p:cNvPr id="6" name="바닥글 개체 틀 5">
             <a:extLst>
               <a:ext uri="{FF2B5EF4-FFF2-40B4-BE49-F238E27FC236}">
-                <a16:creationId xmlns:a16="http://schemas.microsoft.com/office/drawing/2014/main" id="{FE14C7E4-8014-492A-9790-27EBC7A2EB46}"/>
+                <a16:creationId xmlns:a16="http://schemas.microsoft.com/office/drawing/2014/main" xmlns="" id="{FE14C7E4-8014-492A-9790-27EBC7A2EB46}"/>
               </a:ext>
             </a:extLst>
           </p:cNvPr>
@@ -2711,7 +2711,7 @@
           <p:cNvPr id="7" name="슬라이드 번호 개체 틀 6">
             <a:extLst>
               <a:ext uri="{FF2B5EF4-FFF2-40B4-BE49-F238E27FC236}">
-                <a16:creationId xmlns:a16="http://schemas.microsoft.com/office/drawing/2014/main" id="{684A87B7-3359-483B-BC62-010BA314AA75}"/>
+                <a16:creationId xmlns:a16="http://schemas.microsoft.com/office/drawing/2014/main" xmlns="" id="{684A87B7-3359-483B-BC62-010BA314AA75}"/>
               </a:ext>
             </a:extLst>
           </p:cNvPr>
@@ -2775,7 +2775,7 @@
           <p:cNvPr id="2" name="제목 개체 틀 1">
             <a:extLst>
               <a:ext uri="{FF2B5EF4-FFF2-40B4-BE49-F238E27FC236}">
-                <a16:creationId xmlns:a16="http://schemas.microsoft.com/office/drawing/2014/main" id="{A1EE1015-4FD7-4495-8D05-663753B60D93}"/>
+                <a16:creationId xmlns:a16="http://schemas.microsoft.com/office/drawing/2014/main" xmlns="" id="{A1EE1015-4FD7-4495-8D05-663753B60D93}"/>
               </a:ext>
             </a:extLst>
           </p:cNvPr>
@@ -2813,7 +2813,7 @@
           <p:cNvPr id="3" name="텍스트 개체 틀 2">
             <a:extLst>
               <a:ext uri="{FF2B5EF4-FFF2-40B4-BE49-F238E27FC236}">
-                <a16:creationId xmlns:a16="http://schemas.microsoft.com/office/drawing/2014/main" id="{5E1BE625-2669-4999-9B75-B832BF0154BE}"/>
+                <a16:creationId xmlns:a16="http://schemas.microsoft.com/office/drawing/2014/main" xmlns="" id="{5E1BE625-2669-4999-9B75-B832BF0154BE}"/>
               </a:ext>
             </a:extLst>
           </p:cNvPr>
@@ -2880,7 +2880,7 @@
           <p:cNvPr id="4" name="날짜 개체 틀 3">
             <a:extLst>
               <a:ext uri="{FF2B5EF4-FFF2-40B4-BE49-F238E27FC236}">
-                <a16:creationId xmlns:a16="http://schemas.microsoft.com/office/drawing/2014/main" id="{4B76E2E9-93AF-4155-AD1F-ACB5750707A8}"/>
+                <a16:creationId xmlns:a16="http://schemas.microsoft.com/office/drawing/2014/main" xmlns="" id="{4B76E2E9-93AF-4155-AD1F-ACB5750707A8}"/>
               </a:ext>
             </a:extLst>
           </p:cNvPr>
@@ -2927,7 +2927,7 @@
           <p:cNvPr id="5" name="바닥글 개체 틀 4">
             <a:extLst>
               <a:ext uri="{FF2B5EF4-FFF2-40B4-BE49-F238E27FC236}">
-                <a16:creationId xmlns:a16="http://schemas.microsoft.com/office/drawing/2014/main" id="{89994311-6A28-42C5-9A0C-0F6CD8226E20}"/>
+                <a16:creationId xmlns:a16="http://schemas.microsoft.com/office/drawing/2014/main" xmlns="" id="{89994311-6A28-42C5-9A0C-0F6CD8226E20}"/>
               </a:ext>
             </a:extLst>
           </p:cNvPr>
@@ -2970,7 +2970,7 @@
           <p:cNvPr id="6" name="슬라이드 번호 개체 틀 5">
             <a:extLst>
               <a:ext uri="{FF2B5EF4-FFF2-40B4-BE49-F238E27FC236}">
-                <a16:creationId xmlns:a16="http://schemas.microsoft.com/office/drawing/2014/main" id="{096D5F7D-15FF-4F29-9CDD-85B47EEA9A70}"/>
+                <a16:creationId xmlns:a16="http://schemas.microsoft.com/office/drawing/2014/main" xmlns="" id="{096D5F7D-15FF-4F29-9CDD-85B47EEA9A70}"/>
               </a:ext>
             </a:extLst>
           </p:cNvPr>
@@ -3338,7 +3338,7 @@
           <p:cNvPr id="4" name="직사각형 3">
             <a:extLst>
               <a:ext uri="{FF2B5EF4-FFF2-40B4-BE49-F238E27FC236}">
-                <a16:creationId xmlns:a16="http://schemas.microsoft.com/office/drawing/2014/main" id="{0E2DF260-9073-4C55-A5EE-4423110AF32F}"/>
+                <a16:creationId xmlns:a16="http://schemas.microsoft.com/office/drawing/2014/main" xmlns="" id="{0E2DF260-9073-4C55-A5EE-4423110AF32F}"/>
               </a:ext>
             </a:extLst>
           </p:cNvPr>
@@ -3387,7 +3387,7 @@
           <p:cNvPr id="5" name="직사각형 4">
             <a:extLst>
               <a:ext uri="{FF2B5EF4-FFF2-40B4-BE49-F238E27FC236}">
-                <a16:creationId xmlns:a16="http://schemas.microsoft.com/office/drawing/2014/main" id="{F92857C3-3C00-4ED5-83BB-8D3289632C5E}"/>
+                <a16:creationId xmlns:a16="http://schemas.microsoft.com/office/drawing/2014/main" xmlns="" id="{F92857C3-3C00-4ED5-83BB-8D3289632C5E}"/>
               </a:ext>
             </a:extLst>
           </p:cNvPr>
@@ -3436,7 +3436,7 @@
           <p:cNvPr id="6" name="직사각형 5">
             <a:extLst>
               <a:ext uri="{FF2B5EF4-FFF2-40B4-BE49-F238E27FC236}">
-                <a16:creationId xmlns:a16="http://schemas.microsoft.com/office/drawing/2014/main" id="{78A34D48-4BB4-4972-A6FB-08864BDDA67D}"/>
+                <a16:creationId xmlns:a16="http://schemas.microsoft.com/office/drawing/2014/main" xmlns="" id="{78A34D48-4BB4-4972-A6FB-08864BDDA67D}"/>
               </a:ext>
             </a:extLst>
           </p:cNvPr>
@@ -3486,7 +3486,7 @@
           <p:cNvPr id="7" name="직사각형 6">
             <a:extLst>
               <a:ext uri="{FF2B5EF4-FFF2-40B4-BE49-F238E27FC236}">
-                <a16:creationId xmlns:a16="http://schemas.microsoft.com/office/drawing/2014/main" id="{A87E657F-2F4C-49F2-B0D9-36CFFC33DAAD}"/>
+                <a16:creationId xmlns:a16="http://schemas.microsoft.com/office/drawing/2014/main" xmlns="" id="{A87E657F-2F4C-49F2-B0D9-36CFFC33DAAD}"/>
               </a:ext>
             </a:extLst>
           </p:cNvPr>
@@ -3536,7 +3536,7 @@
           <p:cNvPr id="8" name="직사각형 7">
             <a:extLst>
               <a:ext uri="{FF2B5EF4-FFF2-40B4-BE49-F238E27FC236}">
-                <a16:creationId xmlns:a16="http://schemas.microsoft.com/office/drawing/2014/main" id="{1E294097-77B4-4BC8-B907-39B945AFA3D3}"/>
+                <a16:creationId xmlns:a16="http://schemas.microsoft.com/office/drawing/2014/main" xmlns="" id="{1E294097-77B4-4BC8-B907-39B945AFA3D3}"/>
               </a:ext>
             </a:extLst>
           </p:cNvPr>
@@ -3585,7 +3585,7 @@
           <p:cNvPr id="9" name="직사각형 8">
             <a:extLst>
               <a:ext uri="{FF2B5EF4-FFF2-40B4-BE49-F238E27FC236}">
-                <a16:creationId xmlns:a16="http://schemas.microsoft.com/office/drawing/2014/main" id="{D5064F5C-D743-4FF2-AF37-D5BB62C9C36B}"/>
+                <a16:creationId xmlns:a16="http://schemas.microsoft.com/office/drawing/2014/main" xmlns="" id="{D5064F5C-D743-4FF2-AF37-D5BB62C9C36B}"/>
               </a:ext>
             </a:extLst>
           </p:cNvPr>
@@ -3634,7 +3634,7 @@
           <p:cNvPr id="10" name="직사각형 9">
             <a:extLst>
               <a:ext uri="{FF2B5EF4-FFF2-40B4-BE49-F238E27FC236}">
-                <a16:creationId xmlns:a16="http://schemas.microsoft.com/office/drawing/2014/main" id="{88E0421B-51EE-46DC-AED9-5853142AFC4B}"/>
+                <a16:creationId xmlns:a16="http://schemas.microsoft.com/office/drawing/2014/main" xmlns="" id="{88E0421B-51EE-46DC-AED9-5853142AFC4B}"/>
               </a:ext>
             </a:extLst>
           </p:cNvPr>
@@ -3684,7 +3684,7 @@
           <p:cNvPr id="11" name="직사각형 10">
             <a:extLst>
               <a:ext uri="{FF2B5EF4-FFF2-40B4-BE49-F238E27FC236}">
-                <a16:creationId xmlns:a16="http://schemas.microsoft.com/office/drawing/2014/main" id="{68605B9C-0D38-40BF-90EC-9DCA1DCA79D1}"/>
+                <a16:creationId xmlns:a16="http://schemas.microsoft.com/office/drawing/2014/main" xmlns="" id="{68605B9C-0D38-40BF-90EC-9DCA1DCA79D1}"/>
               </a:ext>
             </a:extLst>
           </p:cNvPr>
@@ -3734,7 +3734,7 @@
           <p:cNvPr id="12" name="직사각형 11">
             <a:extLst>
               <a:ext uri="{FF2B5EF4-FFF2-40B4-BE49-F238E27FC236}">
-                <a16:creationId xmlns:a16="http://schemas.microsoft.com/office/drawing/2014/main" id="{F2992FA9-E9EE-440C-B36F-279638B9127B}"/>
+                <a16:creationId xmlns:a16="http://schemas.microsoft.com/office/drawing/2014/main" xmlns="" id="{F2992FA9-E9EE-440C-B36F-279638B9127B}"/>
               </a:ext>
             </a:extLst>
           </p:cNvPr>
@@ -3778,6 +3778,72 @@
           </a:p>
         </p:txBody>
       </p:sp>
+      <p:cxnSp>
+        <p:nvCxnSpPr>
+          <p:cNvPr id="3" name="직선 화살표 연결선 2"/>
+          <p:cNvCxnSpPr/>
+          <p:nvPr/>
+        </p:nvCxnSpPr>
+        <p:spPr>
+          <a:xfrm>
+            <a:off x="5355771" y="1909378"/>
+            <a:ext cx="1097280" cy="0"/>
+          </a:xfrm>
+          <a:prstGeom prst="straightConnector1">
+            <a:avLst/>
+          </a:prstGeom>
+          <a:ln>
+            <a:tailEnd type="triangle"/>
+          </a:ln>
+        </p:spPr>
+        <p:style>
+          <a:lnRef idx="1">
+            <a:schemeClr val="accent1"/>
+          </a:lnRef>
+          <a:fillRef idx="0">
+            <a:schemeClr val="accent1"/>
+          </a:fillRef>
+          <a:effectRef idx="0">
+            <a:schemeClr val="accent1"/>
+          </a:effectRef>
+          <a:fontRef idx="minor">
+            <a:schemeClr val="tx1"/>
+          </a:fontRef>
+        </p:style>
+      </p:cxnSp>
+      <p:cxnSp>
+        <p:nvCxnSpPr>
+          <p:cNvPr id="14" name="직선 화살표 연결선 13"/>
+          <p:cNvCxnSpPr/>
+          <p:nvPr/>
+        </p:nvCxnSpPr>
+        <p:spPr>
+          <a:xfrm flipH="1" flipV="1">
+            <a:off x="5499463" y="4245429"/>
+            <a:ext cx="953588" cy="13062"/>
+          </a:xfrm>
+          <a:prstGeom prst="straightConnector1">
+            <a:avLst/>
+          </a:prstGeom>
+          <a:ln>
+            <a:tailEnd type="triangle"/>
+          </a:ln>
+        </p:spPr>
+        <p:style>
+          <a:lnRef idx="1">
+            <a:schemeClr val="accent1"/>
+          </a:lnRef>
+          <a:fillRef idx="0">
+            <a:schemeClr val="accent1"/>
+          </a:fillRef>
+          <a:effectRef idx="0">
+            <a:schemeClr val="accent1"/>
+          </a:effectRef>
+          <a:fontRef idx="minor">
+            <a:schemeClr val="tx1"/>
+          </a:fontRef>
+        </p:style>
+      </p:cxnSp>
     </p:spTree>
     <p:extLst>
       <p:ext uri="{BB962C8B-B14F-4D97-AF65-F5344CB8AC3E}">
@@ -3813,7 +3879,7 @@
           <p:cNvPr id="4" name="표 3">
             <a:extLst>
               <a:ext uri="{FF2B5EF4-FFF2-40B4-BE49-F238E27FC236}">
-                <a16:creationId xmlns:a16="http://schemas.microsoft.com/office/drawing/2014/main" id="{F3B36929-832F-4932-BC80-345B4F663C96}"/>
+                <a16:creationId xmlns:a16="http://schemas.microsoft.com/office/drawing/2014/main" xmlns="" id="{F3B36929-832F-4932-BC80-345B4F663C96}"/>
               </a:ext>
             </a:extLst>
           </p:cNvPr>
@@ -3842,35 +3908,35 @@
                 <a:gridCol w="2294936">
                   <a:extLst>
                     <a:ext uri="{9D8B030D-6E8A-4147-A177-3AD203B41FA5}">
-                      <a16:colId xmlns:a16="http://schemas.microsoft.com/office/drawing/2014/main" val="940423226"/>
+                      <a16:colId xmlns:a16="http://schemas.microsoft.com/office/drawing/2014/main" xmlns="" val="940423226"/>
                     </a:ext>
                   </a:extLst>
                 </a:gridCol>
                 <a:gridCol w="2294936">
                   <a:extLst>
                     <a:ext uri="{9D8B030D-6E8A-4147-A177-3AD203B41FA5}">
-                      <a16:colId xmlns:a16="http://schemas.microsoft.com/office/drawing/2014/main" val="2672035606"/>
+                      <a16:colId xmlns:a16="http://schemas.microsoft.com/office/drawing/2014/main" xmlns="" val="2672035606"/>
                     </a:ext>
                   </a:extLst>
                 </a:gridCol>
                 <a:gridCol w="2294936">
                   <a:extLst>
                     <a:ext uri="{9D8B030D-6E8A-4147-A177-3AD203B41FA5}">
-                      <a16:colId xmlns:a16="http://schemas.microsoft.com/office/drawing/2014/main" val="951705779"/>
+                      <a16:colId xmlns:a16="http://schemas.microsoft.com/office/drawing/2014/main" xmlns="" val="951705779"/>
                     </a:ext>
                   </a:extLst>
                 </a:gridCol>
                 <a:gridCol w="2294936">
                   <a:extLst>
                     <a:ext uri="{9D8B030D-6E8A-4147-A177-3AD203B41FA5}">
-                      <a16:colId xmlns:a16="http://schemas.microsoft.com/office/drawing/2014/main" val="3734282897"/>
+                      <a16:colId xmlns:a16="http://schemas.microsoft.com/office/drawing/2014/main" xmlns="" val="3734282897"/>
                     </a:ext>
                   </a:extLst>
                 </a:gridCol>
                 <a:gridCol w="2294936">
                   <a:extLst>
                     <a:ext uri="{9D8B030D-6E8A-4147-A177-3AD203B41FA5}">
-                      <a16:colId xmlns:a16="http://schemas.microsoft.com/office/drawing/2014/main" val="3089693407"/>
+                      <a16:colId xmlns:a16="http://schemas.microsoft.com/office/drawing/2014/main" xmlns="" val="3089693407"/>
                     </a:ext>
                   </a:extLst>
                 </a:gridCol>
@@ -3936,7 +4002,7 @@
                 </a:tc>
                 <a:extLst>
                   <a:ext uri="{0D108BD9-81ED-4DB2-BD59-A6C34878D82A}">
-                    <a16:rowId xmlns:a16="http://schemas.microsoft.com/office/drawing/2014/main" val="2788876991"/>
+                    <a16:rowId xmlns:a16="http://schemas.microsoft.com/office/drawing/2014/main" xmlns="" val="2788876991"/>
                   </a:ext>
                 </a:extLst>
               </a:tr>
@@ -4018,7 +4084,7 @@
                 </a:tc>
                 <a:extLst>
                   <a:ext uri="{0D108BD9-81ED-4DB2-BD59-A6C34878D82A}">
-                    <a16:rowId xmlns:a16="http://schemas.microsoft.com/office/drawing/2014/main" val="358242741"/>
+                    <a16:rowId xmlns:a16="http://schemas.microsoft.com/office/drawing/2014/main" xmlns="" val="358242741"/>
                   </a:ext>
                 </a:extLst>
               </a:tr>
@@ -4092,7 +4158,7 @@
                 </a:tc>
                 <a:extLst>
                   <a:ext uri="{0D108BD9-81ED-4DB2-BD59-A6C34878D82A}">
-                    <a16:rowId xmlns:a16="http://schemas.microsoft.com/office/drawing/2014/main" val="1357652360"/>
+                    <a16:rowId xmlns:a16="http://schemas.microsoft.com/office/drawing/2014/main" xmlns="" val="1357652360"/>
                   </a:ext>
                 </a:extLst>
               </a:tr>
@@ -4105,7 +4171,7 @@
           <p:cNvPr id="5" name="TextBox 4">
             <a:extLst>
               <a:ext uri="{FF2B5EF4-FFF2-40B4-BE49-F238E27FC236}">
-                <a16:creationId xmlns:a16="http://schemas.microsoft.com/office/drawing/2014/main" id="{5021B9BF-6B7E-4E8F-8911-8B616A2AC15C}"/>
+                <a16:creationId xmlns:a16="http://schemas.microsoft.com/office/drawing/2014/main" xmlns="" id="{5021B9BF-6B7E-4E8F-8911-8B616A2AC15C}"/>
               </a:ext>
             </a:extLst>
           </p:cNvPr>
@@ -4175,7 +4241,7 @@
           <p:cNvPr id="5" name="그림 4">
             <a:extLst>
               <a:ext uri="{FF2B5EF4-FFF2-40B4-BE49-F238E27FC236}">
-                <a16:creationId xmlns:a16="http://schemas.microsoft.com/office/drawing/2014/main" id="{CEB2A052-1DE5-485C-ACC1-637C205E2382}"/>
+                <a16:creationId xmlns:a16="http://schemas.microsoft.com/office/drawing/2014/main" xmlns="" id="{CEB2A052-1DE5-485C-ACC1-637C205E2382}"/>
               </a:ext>
             </a:extLst>
           </p:cNvPr>
@@ -4205,7 +4271,7 @@
           <p:cNvPr id="6" name="직사각형 5">
             <a:extLst>
               <a:ext uri="{FF2B5EF4-FFF2-40B4-BE49-F238E27FC236}">
-                <a16:creationId xmlns:a16="http://schemas.microsoft.com/office/drawing/2014/main" id="{3849A68A-4548-4FBE-916F-DCF16B904F91}"/>
+                <a16:creationId xmlns:a16="http://schemas.microsoft.com/office/drawing/2014/main" xmlns="" id="{3849A68A-4548-4FBE-916F-DCF16B904F91}"/>
               </a:ext>
             </a:extLst>
           </p:cNvPr>
@@ -4249,7 +4315,7 @@
           <p:cNvPr id="8" name="직사각형 7">
             <a:extLst>
               <a:ext uri="{FF2B5EF4-FFF2-40B4-BE49-F238E27FC236}">
-                <a16:creationId xmlns:a16="http://schemas.microsoft.com/office/drawing/2014/main" id="{A3BB0A64-4229-402B-AE30-5A3261D24034}"/>
+                <a16:creationId xmlns:a16="http://schemas.microsoft.com/office/drawing/2014/main" xmlns="" id="{A3BB0A64-4229-402B-AE30-5A3261D24034}"/>
               </a:ext>
             </a:extLst>
           </p:cNvPr>
@@ -4323,7 +4389,7 @@
           <p:cNvPr id="5" name="내용 개체 틀 4">
             <a:extLst>
               <a:ext uri="{FF2B5EF4-FFF2-40B4-BE49-F238E27FC236}">
-                <a16:creationId xmlns:a16="http://schemas.microsoft.com/office/drawing/2014/main" id="{8A87D227-144F-4B5A-B9FF-9AB6F96906EE}"/>
+                <a16:creationId xmlns:a16="http://schemas.microsoft.com/office/drawing/2014/main" xmlns="" id="{8A87D227-144F-4B5A-B9FF-9AB6F96906EE}"/>
               </a:ext>
             </a:extLst>
           </p:cNvPr>
@@ -4388,7 +4454,7 @@
           <p:cNvPr id="5" name="내용 개체 틀 4">
             <a:extLst>
               <a:ext uri="{FF2B5EF4-FFF2-40B4-BE49-F238E27FC236}">
-                <a16:creationId xmlns:a16="http://schemas.microsoft.com/office/drawing/2014/main" id="{F7CEF9DC-AC0E-4967-A580-8C8B41AC1E6A}"/>
+                <a16:creationId xmlns:a16="http://schemas.microsoft.com/office/drawing/2014/main" xmlns="" id="{F7CEF9DC-AC0E-4967-A580-8C8B41AC1E6A}"/>
               </a:ext>
             </a:extLst>
           </p:cNvPr>
@@ -4453,7 +4519,7 @@
           <p:cNvPr id="5" name="내용 개체 틀 4">
             <a:extLst>
               <a:ext uri="{FF2B5EF4-FFF2-40B4-BE49-F238E27FC236}">
-                <a16:creationId xmlns:a16="http://schemas.microsoft.com/office/drawing/2014/main" id="{E2401844-B27B-4C24-80B1-92699F8199EF}"/>
+                <a16:creationId xmlns:a16="http://schemas.microsoft.com/office/drawing/2014/main" xmlns="" id="{E2401844-B27B-4C24-80B1-92699F8199EF}"/>
               </a:ext>
             </a:extLst>
           </p:cNvPr>
@@ -4518,7 +4584,7 @@
           <p:cNvPr id="5" name="내용 개체 틀 4">
             <a:extLst>
               <a:ext uri="{FF2B5EF4-FFF2-40B4-BE49-F238E27FC236}">
-                <a16:creationId xmlns:a16="http://schemas.microsoft.com/office/drawing/2014/main" id="{D45238F5-CADB-4E5B-B11D-E198CFB9B719}"/>
+                <a16:creationId xmlns:a16="http://schemas.microsoft.com/office/drawing/2014/main" xmlns="" id="{D45238F5-CADB-4E5B-B11D-E198CFB9B719}"/>
               </a:ext>
             </a:extLst>
           </p:cNvPr>
@@ -4583,7 +4649,7 @@
           <p:cNvPr id="5" name="내용 개체 틀 4">
             <a:extLst>
               <a:ext uri="{FF2B5EF4-FFF2-40B4-BE49-F238E27FC236}">
-                <a16:creationId xmlns:a16="http://schemas.microsoft.com/office/drawing/2014/main" id="{FE3A94A8-13AE-40C0-B191-6AFC63FCF32D}"/>
+                <a16:creationId xmlns:a16="http://schemas.microsoft.com/office/drawing/2014/main" xmlns="" id="{FE3A94A8-13AE-40C0-B191-6AFC63FCF32D}"/>
               </a:ext>
             </a:extLst>
           </p:cNvPr>
